--- a/git_intro_extra.pptx
+++ b/git_intro_extra.pptx
@@ -212,7 +212,7 @@
           <a:p>
             <a:fld id="{2AC11405-77E7-4229-A2B7-CFBA51124680}" type="datetimeFigureOut">
               <a:rPr lang="en-US" smtClean="0"/>
-              <a:t>4/23/2019</a:t>
+              <a:t>4/25/2019</a:t>
             </a:fld>
             <a:endParaRPr lang="en-US"/>
           </a:p>
@@ -800,7 +800,7 @@
           <a:p>
             <a:fld id="{EC5B9977-2039-41F1-8E10-6390F75FBE43}" type="datetimeFigureOut">
               <a:rPr lang="en-US" smtClean="0"/>
-              <a:t>4/23/2019</a:t>
+              <a:t>4/25/2019</a:t>
             </a:fld>
             <a:endParaRPr lang="en-US"/>
           </a:p>
@@ -998,7 +998,7 @@
           <a:p>
             <a:fld id="{EC5B9977-2039-41F1-8E10-6390F75FBE43}" type="datetimeFigureOut">
               <a:rPr lang="en-US" smtClean="0"/>
-              <a:t>4/23/2019</a:t>
+              <a:t>4/25/2019</a:t>
             </a:fld>
             <a:endParaRPr lang="en-US"/>
           </a:p>
@@ -1206,7 +1206,7 @@
           <a:p>
             <a:fld id="{EC5B9977-2039-41F1-8E10-6390F75FBE43}" type="datetimeFigureOut">
               <a:rPr lang="en-US" smtClean="0"/>
-              <a:t>4/23/2019</a:t>
+              <a:t>4/25/2019</a:t>
             </a:fld>
             <a:endParaRPr lang="en-US"/>
           </a:p>
@@ -1404,7 +1404,7 @@
           <a:p>
             <a:fld id="{EC5B9977-2039-41F1-8E10-6390F75FBE43}" type="datetimeFigureOut">
               <a:rPr lang="en-US" smtClean="0"/>
-              <a:t>4/23/2019</a:t>
+              <a:t>4/25/2019</a:t>
             </a:fld>
             <a:endParaRPr lang="en-US"/>
           </a:p>
@@ -1679,7 +1679,7 @@
           <a:p>
             <a:fld id="{EC5B9977-2039-41F1-8E10-6390F75FBE43}" type="datetimeFigureOut">
               <a:rPr lang="en-US" smtClean="0"/>
-              <a:t>4/23/2019</a:t>
+              <a:t>4/25/2019</a:t>
             </a:fld>
             <a:endParaRPr lang="en-US"/>
           </a:p>
@@ -1944,7 +1944,7 @@
           <a:p>
             <a:fld id="{EC5B9977-2039-41F1-8E10-6390F75FBE43}" type="datetimeFigureOut">
               <a:rPr lang="en-US" smtClean="0"/>
-              <a:t>4/23/2019</a:t>
+              <a:t>4/25/2019</a:t>
             </a:fld>
             <a:endParaRPr lang="en-US"/>
           </a:p>
@@ -2356,7 +2356,7 @@
           <a:p>
             <a:fld id="{EC5B9977-2039-41F1-8E10-6390F75FBE43}" type="datetimeFigureOut">
               <a:rPr lang="en-US" smtClean="0"/>
-              <a:t>4/23/2019</a:t>
+              <a:t>4/25/2019</a:t>
             </a:fld>
             <a:endParaRPr lang="en-US"/>
           </a:p>
@@ -2497,7 +2497,7 @@
           <a:p>
             <a:fld id="{EC5B9977-2039-41F1-8E10-6390F75FBE43}" type="datetimeFigureOut">
               <a:rPr lang="en-US" smtClean="0"/>
-              <a:t>4/23/2019</a:t>
+              <a:t>4/25/2019</a:t>
             </a:fld>
             <a:endParaRPr lang="en-US"/>
           </a:p>
@@ -2610,7 +2610,7 @@
           <a:p>
             <a:fld id="{EC5B9977-2039-41F1-8E10-6390F75FBE43}" type="datetimeFigureOut">
               <a:rPr lang="en-US" smtClean="0"/>
-              <a:t>4/23/2019</a:t>
+              <a:t>4/25/2019</a:t>
             </a:fld>
             <a:endParaRPr lang="en-US"/>
           </a:p>
@@ -2921,7 +2921,7 @@
           <a:p>
             <a:fld id="{EC5B9977-2039-41F1-8E10-6390F75FBE43}" type="datetimeFigureOut">
               <a:rPr lang="en-US" smtClean="0"/>
-              <a:t>4/23/2019</a:t>
+              <a:t>4/25/2019</a:t>
             </a:fld>
             <a:endParaRPr lang="en-US"/>
           </a:p>
@@ -3209,7 +3209,7 @@
           <a:p>
             <a:fld id="{EC5B9977-2039-41F1-8E10-6390F75FBE43}" type="datetimeFigureOut">
               <a:rPr lang="en-US" smtClean="0"/>
-              <a:t>4/23/2019</a:t>
+              <a:t>4/25/2019</a:t>
             </a:fld>
             <a:endParaRPr lang="en-US"/>
           </a:p>
@@ -3450,7 +3450,7 @@
           <a:p>
             <a:fld id="{EC5B9977-2039-41F1-8E10-6390F75FBE43}" type="datetimeFigureOut">
               <a:rPr lang="en-US" smtClean="0"/>
-              <a:t>4/23/2019</a:t>
+              <a:t>4/25/2019</a:t>
             </a:fld>
             <a:endParaRPr lang="en-US"/>
           </a:p>
@@ -3916,7 +3916,59 @@
           <a:bodyPr/>
           <a:lstStyle/>
           <a:p>
-            <a:endParaRPr lang="en-US"/>
+            <a:r>
+              <a:rPr lang="en-US" dirty="0" smtClean="0"/>
+              <a:t>Jay / </a:t>
+            </a:r>
+            <a:r>
+              <a:rPr lang="en-US" dirty="0" smtClean="0">
+                <a:hlinkClick r:id="rId2"/>
+              </a:rPr>
+              <a:t>TDMDAL</a:t>
+            </a:r>
+            <a:endParaRPr lang="en-US" dirty="0"/>
+          </a:p>
+        </p:txBody>
+      </p:sp>
+      <p:sp>
+        <p:nvSpPr>
+          <p:cNvPr id="4" name="TextBox 3">
+            <a:extLst>
+              <a:ext uri="{FF2B5EF4-FFF2-40B4-BE49-F238E27FC236}">
+                <a16:creationId xmlns:a16="http://schemas.microsoft.com/office/drawing/2014/main" id="{55460888-6E94-486A-9369-950ADC6DD456}"/>
+              </a:ext>
+            </a:extLst>
+          </p:cNvPr>
+          <p:cNvSpPr txBox="1"/>
+          <p:nvPr/>
+        </p:nvSpPr>
+        <p:spPr>
+          <a:xfrm>
+            <a:off x="884189" y="6308209"/>
+            <a:ext cx="5941883" cy="369332"/>
+          </a:xfrm>
+          <a:prstGeom prst="rect">
+            <a:avLst/>
+          </a:prstGeom>
+          <a:noFill/>
+        </p:spPr>
+        <p:txBody>
+          <a:bodyPr wrap="none" rtlCol="0">
+            <a:spAutoFit/>
+          </a:bodyPr>
+          <a:lstStyle/>
+          <a:p>
+            <a:r>
+              <a:rPr lang="en-US" dirty="0"/>
+              <a:t>Site for this workshop: </a:t>
+            </a:r>
+            <a:r>
+              <a:rPr lang="en-US" dirty="0">
+                <a:hlinkClick r:id="rId3"/>
+              </a:rPr>
+              <a:t>https://tdmdal.github.io/git-workshop</a:t>
+            </a:r>
+            <a:endParaRPr lang="en-US" dirty="0"/>
           </a:p>
         </p:txBody>
       </p:sp>
@@ -4976,7 +5028,7 @@
                 <a14:useLocalDpi xmlns:a14="http://schemas.microsoft.com/office/drawing/2010/main" val="0"/>
               </a:ext>
               <a:ext uri="{96DAC541-7B7A-43D3-8B79-37D633B846F1}">
-                <asvg:svgBlip xmlns:asvg="http://schemas.microsoft.com/office/drawing/2016/SVG/main" xmlns="" r:embed="rId4"/>
+                <asvg:svgBlip xmlns="" xmlns:asvg="http://schemas.microsoft.com/office/drawing/2016/SVG/main" r:embed="rId4"/>
               </a:ext>
             </a:extLst>
           </a:blip>
@@ -5756,7 +5808,7 @@
                 <a14:useLocalDpi xmlns:a14="http://schemas.microsoft.com/office/drawing/2010/main" val="0"/>
               </a:ext>
               <a:ext uri="{96DAC541-7B7A-43D3-8B79-37D633B846F1}">
-                <asvg:svgBlip xmlns:asvg="http://schemas.microsoft.com/office/drawing/2016/SVG/main" xmlns="" r:embed="rId3"/>
+                <asvg:svgBlip xmlns="" xmlns:asvg="http://schemas.microsoft.com/office/drawing/2016/SVG/main" r:embed="rId3"/>
               </a:ext>
             </a:extLst>
           </a:blip>
@@ -6615,7 +6667,7 @@
                 <a14:useLocalDpi xmlns:a14="http://schemas.microsoft.com/office/drawing/2010/main" val="0"/>
               </a:ext>
               <a:ext uri="{96DAC541-7B7A-43D3-8B79-37D633B846F1}">
-                <asvg:svgBlip xmlns:asvg="http://schemas.microsoft.com/office/drawing/2016/SVG/main" xmlns="" r:embed="rId3"/>
+                <asvg:svgBlip xmlns="" xmlns:asvg="http://schemas.microsoft.com/office/drawing/2016/SVG/main" r:embed="rId3"/>
               </a:ext>
             </a:extLst>
           </a:blip>
@@ -7684,7 +7736,7 @@
                 <a14:useLocalDpi xmlns:a14="http://schemas.microsoft.com/office/drawing/2010/main" val="0"/>
               </a:ext>
               <a:ext uri="{96DAC541-7B7A-43D3-8B79-37D633B846F1}">
-                <asvg:svgBlip xmlns:asvg="http://schemas.microsoft.com/office/drawing/2016/SVG/main" xmlns="" r:embed="rId3"/>
+                <asvg:svgBlip xmlns="" xmlns:asvg="http://schemas.microsoft.com/office/drawing/2016/SVG/main" r:embed="rId3"/>
               </a:ext>
             </a:extLst>
           </a:blip>
@@ -7812,7 +7864,7 @@
                 <a14:useLocalDpi xmlns:a14="http://schemas.microsoft.com/office/drawing/2010/main" val="0"/>
               </a:ext>
               <a:ext uri="{96DAC541-7B7A-43D3-8B79-37D633B846F1}">
-                <asvg:svgBlip xmlns:asvg="http://schemas.microsoft.com/office/drawing/2016/SVG/main" xmlns="" r:embed="rId3"/>
+                <asvg:svgBlip xmlns="" xmlns:asvg="http://schemas.microsoft.com/office/drawing/2016/SVG/main" r:embed="rId3"/>
               </a:ext>
             </a:extLst>
           </a:blip>
@@ -8995,7 +9047,7 @@
                 <a14:useLocalDpi xmlns:a14="http://schemas.microsoft.com/office/drawing/2010/main" val="0"/>
               </a:ext>
               <a:ext uri="{96DAC541-7B7A-43D3-8B79-37D633B846F1}">
-                <asvg:svgBlip xmlns:asvg="http://schemas.microsoft.com/office/drawing/2016/SVG/main" xmlns="" r:embed="rId3"/>
+                <asvg:svgBlip xmlns="" xmlns:asvg="http://schemas.microsoft.com/office/drawing/2016/SVG/main" r:embed="rId3"/>
               </a:ext>
             </a:extLst>
           </a:blip>
@@ -9123,7 +9175,7 @@
                 <a14:useLocalDpi xmlns:a14="http://schemas.microsoft.com/office/drawing/2010/main" val="0"/>
               </a:ext>
               <a:ext uri="{96DAC541-7B7A-43D3-8B79-37D633B846F1}">
-                <asvg:svgBlip xmlns:asvg="http://schemas.microsoft.com/office/drawing/2016/SVG/main" xmlns="" r:embed="rId3"/>
+                <asvg:svgBlip xmlns="" xmlns:asvg="http://schemas.microsoft.com/office/drawing/2016/SVG/main" r:embed="rId3"/>
               </a:ext>
             </a:extLst>
           </a:blip>
